--- a/ml/机器学习入门理论.pptx
+++ b/ml/机器学习入门理论.pptx
@@ -22165,7 +22165,7 @@
         </p:nvSpPr>
         <p:spPr>
           <a:xfrm>
-            <a:off x="628650" y="3140075"/>
+            <a:off x="628650" y="3141345"/>
             <a:ext cx="7886700" cy="1225550"/>
           </a:xfrm>
         </p:spPr>
@@ -22231,6 +22231,44 @@
               <a:latin typeface="微软雅黑" panose="020B0503020204020204" charset="-122"/>
               <a:ea typeface="微软雅黑" panose="020B0503020204020204" charset="-122"/>
             </a:endParaRPr>
+          </a:p>
+        </p:txBody>
+      </p:sp>
+      <p:sp>
+        <p:nvSpPr>
+          <p:cNvPr id="2" name="文本框 1"/>
+          <p:cNvSpPr txBox="1"/>
+          <p:nvPr/>
+        </p:nvSpPr>
+        <p:spPr>
+          <a:xfrm>
+            <a:off x="1286510" y="1988820"/>
+            <a:ext cx="6570980" cy="645160"/>
+          </a:xfrm>
+          <a:prstGeom prst="rect">
+            <a:avLst/>
+          </a:prstGeom>
+          <a:noFill/>
+        </p:spPr>
+        <p:txBody>
+          <a:bodyPr wrap="none" rtlCol="0">
+            <a:spAutoFit/>
+          </a:bodyPr>
+          <a:p>
+            <a:pPr algn="l"/>
+            <a:r>
+              <a:rPr lang="zh-CN" altLang="en-US"/>
+              <a:t>如果计算机程序对于任务T的性能度量P通过经验E得到了提高，</a:t>
+            </a:r>
+            <a:endParaRPr lang="zh-CN" altLang="en-US"/>
+          </a:p>
+          <a:p>
+            <a:pPr algn="l"/>
+            <a:r>
+              <a:rPr lang="zh-CN" altLang="en-US"/>
+              <a:t>则认为此程序对经验E进行了学习</a:t>
+            </a:r>
+            <a:endParaRPr lang="zh-CN" altLang="en-US"/>
           </a:p>
         </p:txBody>
       </p:sp>
@@ -22242,6 +22280,138 @@
   <p:clrMapOvr>
     <a:masterClrMapping/>
   </p:clrMapOvr>
+  <p:timing>
+    <p:tnLst>
+      <p:par>
+        <p:cTn id="1" dur="indefinite" restart="never" nodeType="tmRoot">
+          <p:childTnLst>
+            <p:seq concurrent="1" nextAc="seek">
+              <p:cTn id="2" dur="indefinite" nodeType="mainSeq">
+                <p:childTnLst>
+                  <p:par>
+                    <p:cTn id="3" fill="hold">
+                      <p:stCondLst>
+                        <p:cond delay="indefinite"/>
+                      </p:stCondLst>
+                      <p:childTnLst>
+                        <p:par>
+                          <p:cTn id="4" fill="hold">
+                            <p:stCondLst>
+                              <p:cond delay="0"/>
+                            </p:stCondLst>
+                            <p:childTnLst>
+                              <p:par>
+                                <p:cTn id="5" presetID="1" presetClass="entr" presetSubtype="0" fill="hold" grpId="0" nodeType="clickEffect">
+                                  <p:stCondLst>
+                                    <p:cond delay="0"/>
+                                  </p:stCondLst>
+                                  <p:childTnLst>
+                                    <p:set>
+                                      <p:cBhvr>
+                                        <p:cTn id="6" dur="1" fill="hold">
+                                          <p:stCondLst>
+                                            <p:cond delay="0"/>
+                                          </p:stCondLst>
+                                        </p:cTn>
+                                        <p:tgtEl>
+                                          <p:spTgt spid="52226">
+                                            <p:txEl>
+                                              <p:pRg st="0" end="0"/>
+                                            </p:txEl>
+                                          </p:spTgt>
+                                        </p:tgtEl>
+                                        <p:attrNameLst>
+                                          <p:attrName>style.visibility</p:attrName>
+                                        </p:attrNameLst>
+                                      </p:cBhvr>
+                                      <p:to>
+                                        <p:strVal val="visible"/>
+                                      </p:to>
+                                    </p:set>
+                                  </p:childTnLst>
+                                </p:cTn>
+                              </p:par>
+                            </p:childTnLst>
+                          </p:cTn>
+                        </p:par>
+                      </p:childTnLst>
+                    </p:cTn>
+                  </p:par>
+                  <p:par>
+                    <p:cTn id="7" fill="hold">
+                      <p:stCondLst>
+                        <p:cond delay="indefinite"/>
+                      </p:stCondLst>
+                      <p:childTnLst>
+                        <p:par>
+                          <p:cTn id="8" fill="hold">
+                            <p:stCondLst>
+                              <p:cond delay="0"/>
+                            </p:stCondLst>
+                            <p:childTnLst>
+                              <p:par>
+                                <p:cTn id="9" presetID="1" presetClass="entr" presetSubtype="0" fill="hold" grpId="0" nodeType="clickEffect">
+                                  <p:stCondLst>
+                                    <p:cond delay="0"/>
+                                  </p:stCondLst>
+                                  <p:childTnLst>
+                                    <p:set>
+                                      <p:cBhvr>
+                                        <p:cTn id="10" dur="1" fill="hold">
+                                          <p:stCondLst>
+                                            <p:cond delay="0"/>
+                                          </p:stCondLst>
+                                        </p:cTn>
+                                        <p:tgtEl>
+                                          <p:spTgt spid="52226">
+                                            <p:txEl>
+                                              <p:pRg st="1" end="1"/>
+                                            </p:txEl>
+                                          </p:spTgt>
+                                        </p:tgtEl>
+                                        <p:attrNameLst>
+                                          <p:attrName>style.visibility</p:attrName>
+                                        </p:attrNameLst>
+                                      </p:cBhvr>
+                                      <p:to>
+                                        <p:strVal val="visible"/>
+                                      </p:to>
+                                    </p:set>
+                                  </p:childTnLst>
+                                </p:cTn>
+                              </p:par>
+                            </p:childTnLst>
+                          </p:cTn>
+                        </p:par>
+                      </p:childTnLst>
+                    </p:cTn>
+                  </p:par>
+                </p:childTnLst>
+              </p:cTn>
+              <p:prevCondLst>
+                <p:cond evt="onPrev" delay="0">
+                  <p:tgtEl>
+                    <p:sldTgt/>
+                  </p:tgtEl>
+                </p:cond>
+              </p:prevCondLst>
+              <p:nextCondLst>
+                <p:cond evt="onNext" delay="0">
+                  <p:tgtEl>
+                    <p:sldTgt/>
+                  </p:tgtEl>
+                </p:cond>
+              </p:nextCondLst>
+            </p:seq>
+          </p:childTnLst>
+        </p:cTn>
+      </p:par>
+    </p:tnLst>
+    <p:bldLst>
+      <p:bldP spid="52226" grpId="0" build="p"/>
+      <p:bldP spid="52226" grpId="1" build="p"/>
+    </p:bldLst>
+  </p:timing>
 </p:sld>
 </file>
 
